--- a/Properties/Präsentation1.pptx
+++ b/Properties/Präsentation1.pptx
@@ -6,6 +6,7 @@
   </p:sldMasterIdLst>
   <p:sldIdLst>
     <p:sldId id="256" r:id="rId2"/>
+    <p:sldId id="257" r:id="rId3"/>
   </p:sldIdLst>
   <p:sldSz cx="12192000" cy="6858000"/>
   <p:notesSz cx="6858000" cy="9144000"/>
@@ -104,6 +105,11 @@
       </a:defRPr>
     </a:lvl9pPr>
   </p:defaultTextStyle>
+  <p:extLst>
+    <p:ext uri="{EFAFB233-063F-42B5-8137-9DF3F51BA10A}">
+      <p15:sldGuideLst xmlns:p15="http://schemas.microsoft.com/office/powerpoint/2012/main"/>
+    </p:ext>
+  </p:extLst>
 </p:presentation>
 </file>
 
@@ -4090,6 +4096,209 @@
 </p:sld>
 </file>
 
+<file path=ppt/slides/slide2.xml><?xml version="1.0" encoding="utf-8"?>
+<p:sld xmlns:a="http://schemas.openxmlformats.org/drawingml/2006/main" xmlns:r="http://schemas.openxmlformats.org/officeDocument/2006/relationships" xmlns:p="http://schemas.openxmlformats.org/presentationml/2006/main">
+  <p:cSld>
+    <p:spTree>
+      <p:nvGrpSpPr>
+        <p:cNvPr id="1" name=""/>
+        <p:cNvGrpSpPr/>
+        <p:nvPr/>
+      </p:nvGrpSpPr>
+      <p:grpSpPr>
+        <a:xfrm>
+          <a:off x="0" y="0"/>
+          <a:ext cx="0" cy="0"/>
+          <a:chOff x="0" y="0"/>
+          <a:chExt cx="0" cy="0"/>
+        </a:xfrm>
+      </p:grpSpPr>
+      <p:grpSp>
+        <p:nvGrpSpPr>
+          <p:cNvPr id="12" name="Gruppieren 11">
+            <a:extLst>
+              <a:ext uri="{FF2B5EF4-FFF2-40B4-BE49-F238E27FC236}">
+                <a16:creationId xmlns:a16="http://schemas.microsoft.com/office/drawing/2014/main" id="{E36DCCD4-B413-3343-41A9-991017FDE115}"/>
+              </a:ext>
+            </a:extLst>
+          </p:cNvPr>
+          <p:cNvGrpSpPr/>
+          <p:nvPr/>
+        </p:nvGrpSpPr>
+        <p:grpSpPr>
+          <a:xfrm>
+            <a:off x="2646334" y="1653278"/>
+            <a:ext cx="1328770" cy="1424932"/>
+            <a:chOff x="3160684" y="1653278"/>
+            <a:chExt cx="1328770" cy="1424932"/>
+          </a:xfrm>
+        </p:grpSpPr>
+        <p:cxnSp>
+          <p:nvCxnSpPr>
+            <p:cNvPr id="5" name="Gerade Verbindung mit Pfeil 4">
+              <a:extLst>
+                <a:ext uri="{FF2B5EF4-FFF2-40B4-BE49-F238E27FC236}">
+                  <a16:creationId xmlns:a16="http://schemas.microsoft.com/office/drawing/2014/main" id="{0C5B4811-A74C-ECFD-AB8D-845FD54BDC79}"/>
+                </a:ext>
+              </a:extLst>
+            </p:cNvPr>
+            <p:cNvCxnSpPr>
+              <a:cxnSpLocks/>
+            </p:cNvCxnSpPr>
+            <p:nvPr/>
+          </p:nvCxnSpPr>
+          <p:spPr>
+            <a:xfrm>
+              <a:off x="3437008" y="2708878"/>
+              <a:ext cx="900000" cy="0"/>
+            </a:xfrm>
+            <a:prstGeom prst="straightConnector1">
+              <a:avLst/>
+            </a:prstGeom>
+            <a:ln w="57150">
+              <a:tailEnd type="triangle"/>
+            </a:ln>
+          </p:spPr>
+          <p:style>
+            <a:lnRef idx="1">
+              <a:schemeClr val="accent1"/>
+            </a:lnRef>
+            <a:fillRef idx="0">
+              <a:schemeClr val="accent1"/>
+            </a:fillRef>
+            <a:effectRef idx="0">
+              <a:schemeClr val="accent1"/>
+            </a:effectRef>
+            <a:fontRef idx="minor">
+              <a:schemeClr val="tx1"/>
+            </a:fontRef>
+          </p:style>
+        </p:cxnSp>
+        <p:cxnSp>
+          <p:nvCxnSpPr>
+            <p:cNvPr id="7" name="Gerade Verbindung mit Pfeil 6">
+              <a:extLst>
+                <a:ext uri="{FF2B5EF4-FFF2-40B4-BE49-F238E27FC236}">
+                  <a16:creationId xmlns:a16="http://schemas.microsoft.com/office/drawing/2014/main" id="{9829AA66-97F6-ADEA-48D0-7470C2A7ABB6}"/>
+                </a:ext>
+              </a:extLst>
+            </p:cNvPr>
+            <p:cNvCxnSpPr>
+              <a:cxnSpLocks/>
+            </p:cNvCxnSpPr>
+            <p:nvPr/>
+          </p:nvCxnSpPr>
+          <p:spPr>
+            <a:xfrm flipV="1">
+              <a:off x="3465576" y="1837944"/>
+              <a:ext cx="0" cy="900000"/>
+            </a:xfrm>
+            <a:prstGeom prst="straightConnector1">
+              <a:avLst/>
+            </a:prstGeom>
+            <a:ln w="57150">
+              <a:tailEnd type="triangle"/>
+            </a:ln>
+          </p:spPr>
+          <p:style>
+            <a:lnRef idx="1">
+              <a:schemeClr val="accent1"/>
+            </a:lnRef>
+            <a:fillRef idx="0">
+              <a:schemeClr val="accent1"/>
+            </a:fillRef>
+            <a:effectRef idx="0">
+              <a:schemeClr val="accent1"/>
+            </a:effectRef>
+            <a:fontRef idx="minor">
+              <a:schemeClr val="tx1"/>
+            </a:fontRef>
+          </p:style>
+        </p:cxnSp>
+        <p:sp>
+          <p:nvSpPr>
+            <p:cNvPr id="10" name="Textfeld 9">
+              <a:extLst>
+                <a:ext uri="{FF2B5EF4-FFF2-40B4-BE49-F238E27FC236}">
+                  <a16:creationId xmlns:a16="http://schemas.microsoft.com/office/drawing/2014/main" id="{AECF0A72-577C-FADF-BEE0-6E9BFC6FBC46}"/>
+                </a:ext>
+              </a:extLst>
+            </p:cNvPr>
+            <p:cNvSpPr txBox="1"/>
+            <p:nvPr/>
+          </p:nvSpPr>
+          <p:spPr>
+            <a:xfrm>
+              <a:off x="4184562" y="2708878"/>
+              <a:ext cx="304892" cy="369332"/>
+            </a:xfrm>
+            <a:prstGeom prst="rect">
+              <a:avLst/>
+            </a:prstGeom>
+            <a:noFill/>
+          </p:spPr>
+          <p:txBody>
+            <a:bodyPr wrap="none" rtlCol="0">
+              <a:spAutoFit/>
+            </a:bodyPr>
+            <a:lstStyle/>
+            <a:p>
+              <a:r>
+                <a:rPr lang="de-DE" dirty="0"/>
+                <a:t>X</a:t>
+              </a:r>
+            </a:p>
+          </p:txBody>
+        </p:sp>
+        <p:sp>
+          <p:nvSpPr>
+            <p:cNvPr id="11" name="Textfeld 10">
+              <a:extLst>
+                <a:ext uri="{FF2B5EF4-FFF2-40B4-BE49-F238E27FC236}">
+                  <a16:creationId xmlns:a16="http://schemas.microsoft.com/office/drawing/2014/main" id="{34EA4AF6-4BAD-35F3-3253-02E3F34A9683}"/>
+                </a:ext>
+              </a:extLst>
+            </p:cNvPr>
+            <p:cNvSpPr txBox="1"/>
+            <p:nvPr/>
+          </p:nvSpPr>
+          <p:spPr>
+            <a:xfrm>
+              <a:off x="3160684" y="1653278"/>
+              <a:ext cx="304892" cy="369332"/>
+            </a:xfrm>
+            <a:prstGeom prst="rect">
+              <a:avLst/>
+            </a:prstGeom>
+            <a:noFill/>
+          </p:spPr>
+          <p:txBody>
+            <a:bodyPr wrap="none" rtlCol="0">
+              <a:spAutoFit/>
+            </a:bodyPr>
+            <a:lstStyle/>
+            <a:p>
+              <a:r>
+                <a:rPr lang="de-DE" dirty="0"/>
+                <a:t>Y</a:t>
+              </a:r>
+            </a:p>
+          </p:txBody>
+        </p:sp>
+      </p:grpSp>
+    </p:spTree>
+    <p:extLst>
+      <p:ext uri="{BB962C8B-B14F-4D97-AF65-F5344CB8AC3E}">
+        <p14:creationId xmlns:p14="http://schemas.microsoft.com/office/powerpoint/2010/main" val="3418668966"/>
+      </p:ext>
+    </p:extLst>
+  </p:cSld>
+  <p:clrMapOvr>
+    <a:masterClrMapping/>
+  </p:clrMapOvr>
+</p:sld>
+</file>
+
 <file path=ppt/theme/theme1.xml><?xml version="1.0" encoding="utf-8"?>
 <a:theme xmlns:a="http://schemas.openxmlformats.org/drawingml/2006/main" name="Office">
   <a:themeElements>
